--- a/Project Presentation.pptx
+++ b/Project Presentation.pptx
@@ -783,7 +783,7 @@
             <a:fld id="{B61BEF0D-F0BB-DE4B-95CE-6DB70DBA9567}" type="datetimeFigureOut">
               <a:rPr lang="en-US" dirty="0"/>
               <a:pPr/>
-              <a:t>10/19/22</a:t>
+              <a:t>10/20/22</a:t>
             </a:fld>
             <a:endParaRPr lang="en-US" dirty="0"/>
           </a:p>
@@ -1114,7 +1114,7 @@
             <a:fld id="{B61BEF0D-F0BB-DE4B-95CE-6DB70DBA9567}" type="datetimeFigureOut">
               <a:rPr lang="en-US" dirty="0"/>
               <a:pPr/>
-              <a:t>10/19/22</a:t>
+              <a:t>10/20/22</a:t>
             </a:fld>
             <a:endParaRPr lang="en-US" dirty="0"/>
           </a:p>
@@ -1389,7 +1389,7 @@
             <a:fld id="{B61BEF0D-F0BB-DE4B-95CE-6DB70DBA9567}" type="datetimeFigureOut">
               <a:rPr lang="en-US" dirty="0"/>
               <a:pPr/>
-              <a:t>10/19/22</a:t>
+              <a:t>10/20/22</a:t>
             </a:fld>
             <a:endParaRPr lang="en-US" dirty="0"/>
           </a:p>
@@ -1954,7 +1954,7 @@
             <a:fld id="{B61BEF0D-F0BB-DE4B-95CE-6DB70DBA9567}" type="datetimeFigureOut">
               <a:rPr lang="en-US" dirty="0"/>
               <a:pPr/>
-              <a:t>10/19/22</a:t>
+              <a:t>10/20/22</a:t>
             </a:fld>
             <a:endParaRPr lang="en-US" dirty="0"/>
           </a:p>
@@ -2229,7 +2229,7 @@
             <a:fld id="{B61BEF0D-F0BB-DE4B-95CE-6DB70DBA9567}" type="datetimeFigureOut">
               <a:rPr lang="en-US" dirty="0"/>
               <a:pPr/>
-              <a:t>10/19/22</a:t>
+              <a:t>10/20/22</a:t>
             </a:fld>
             <a:endParaRPr lang="en-US" dirty="0"/>
           </a:p>
@@ -2788,7 +2788,7 @@
             <a:fld id="{B61BEF0D-F0BB-DE4B-95CE-6DB70DBA9567}" type="datetimeFigureOut">
               <a:rPr lang="en-US" dirty="0"/>
               <a:pPr/>
-              <a:t>10/19/22</a:t>
+              <a:t>10/20/22</a:t>
             </a:fld>
             <a:endParaRPr lang="en-US" dirty="0"/>
           </a:p>
@@ -3112,7 +3112,7 @@
             <a:fld id="{B61BEF0D-F0BB-DE4B-95CE-6DB70DBA9567}" type="datetimeFigureOut">
               <a:rPr lang="en-US" dirty="0"/>
               <a:pPr/>
-              <a:t>10/19/22</a:t>
+              <a:t>10/20/22</a:t>
             </a:fld>
             <a:endParaRPr lang="en-US" dirty="0"/>
           </a:p>
@@ -3286,7 +3286,7 @@
             <a:fld id="{B61BEF0D-F0BB-DE4B-95CE-6DB70DBA9567}" type="datetimeFigureOut">
               <a:rPr lang="en-US" dirty="0"/>
               <a:pPr/>
-              <a:t>10/19/22</a:t>
+              <a:t>10/20/22</a:t>
             </a:fld>
             <a:endParaRPr lang="en-US" dirty="0"/>
           </a:p>
@@ -3521,7 +3521,7 @@
             <a:fld id="{B61BEF0D-F0BB-DE4B-95CE-6DB70DBA9567}" type="datetimeFigureOut">
               <a:rPr lang="en-US" dirty="0"/>
               <a:pPr/>
-              <a:t>10/19/22</a:t>
+              <a:t>10/20/22</a:t>
             </a:fld>
             <a:endParaRPr lang="en-US" dirty="0"/>
           </a:p>
@@ -3718,7 +3718,7 @@
             <a:fld id="{B61BEF0D-F0BB-DE4B-95CE-6DB70DBA9567}" type="datetimeFigureOut">
               <a:rPr lang="en-US" dirty="0"/>
               <a:pPr/>
-              <a:t>10/19/22</a:t>
+              <a:t>10/20/22</a:t>
             </a:fld>
             <a:endParaRPr lang="en-US" dirty="0"/>
           </a:p>
@@ -3991,7 +3991,7 @@
             <a:fld id="{B61BEF0D-F0BB-DE4B-95CE-6DB70DBA9567}" type="datetimeFigureOut">
               <a:rPr lang="en-US" dirty="0"/>
               <a:pPr/>
-              <a:t>10/19/22</a:t>
+              <a:t>10/20/22</a:t>
             </a:fld>
             <a:endParaRPr lang="en-US" dirty="0"/>
           </a:p>
@@ -4254,7 +4254,7 @@
             <a:fld id="{B61BEF0D-F0BB-DE4B-95CE-6DB70DBA9567}" type="datetimeFigureOut">
               <a:rPr lang="en-US" dirty="0"/>
               <a:pPr/>
-              <a:t>10/19/22</a:t>
+              <a:t>10/20/22</a:t>
             </a:fld>
             <a:endParaRPr lang="en-US" dirty="0"/>
           </a:p>
@@ -4625,7 +4625,7 @@
             <a:fld id="{B61BEF0D-F0BB-DE4B-95CE-6DB70DBA9567}" type="datetimeFigureOut">
               <a:rPr lang="en-US" dirty="0"/>
               <a:pPr/>
-              <a:t>10/19/22</a:t>
+              <a:t>10/20/22</a:t>
             </a:fld>
             <a:endParaRPr lang="en-US" dirty="0"/>
           </a:p>
@@ -4770,7 +4770,7 @@
             <a:fld id="{B61BEF0D-F0BB-DE4B-95CE-6DB70DBA9567}" type="datetimeFigureOut">
               <a:rPr lang="en-US" dirty="0"/>
               <a:pPr/>
-              <a:t>10/19/22</a:t>
+              <a:t>10/20/22</a:t>
             </a:fld>
             <a:endParaRPr lang="en-US" dirty="0"/>
           </a:p>
@@ -4892,7 +4892,7 @@
             <a:fld id="{B61BEF0D-F0BB-DE4B-95CE-6DB70DBA9567}" type="datetimeFigureOut">
               <a:rPr lang="en-US" dirty="0"/>
               <a:pPr/>
-              <a:t>10/19/22</a:t>
+              <a:t>10/20/22</a:t>
             </a:fld>
             <a:endParaRPr lang="en-US" dirty="0"/>
           </a:p>
@@ -5174,7 +5174,7 @@
             <a:fld id="{B61BEF0D-F0BB-DE4B-95CE-6DB70DBA9567}" type="datetimeFigureOut">
               <a:rPr lang="en-US" dirty="0"/>
               <a:pPr/>
-              <a:t>10/19/22</a:t>
+              <a:t>10/20/22</a:t>
             </a:fld>
             <a:endParaRPr lang="en-US" dirty="0"/>
           </a:p>
@@ -5495,7 +5495,7 @@
             <a:fld id="{B61BEF0D-F0BB-DE4B-95CE-6DB70DBA9567}" type="datetimeFigureOut">
               <a:rPr lang="en-US" dirty="0"/>
               <a:pPr/>
-              <a:t>10/19/22</a:t>
+              <a:t>10/20/22</a:t>
             </a:fld>
             <a:endParaRPr lang="en-US" dirty="0"/>
           </a:p>
@@ -5706,7 +5706,7 @@
             <a:fld id="{B61BEF0D-F0BB-DE4B-95CE-6DB70DBA9567}" type="datetimeFigureOut">
               <a:rPr lang="en-US" dirty="0"/>
               <a:pPr/>
-              <a:t>10/19/22</a:t>
+              <a:t>10/20/22</a:t>
             </a:fld>
             <a:endParaRPr lang="en-US" dirty="0"/>
           </a:p>
@@ -6543,25 +6543,7 @@
                 <a:ea typeface="Calibri" panose="020F0502020204030204" pitchFamily="34" charset="0"/>
                 <a:cs typeface="Times New Roman" panose="02020603050405020304" pitchFamily="18" charset="0"/>
               </a:rPr>
-              <a:t> </a:t>
-            </a:r>
-            <a:r>
-              <a:rPr lang="en-US" sz="2000" dirty="0" err="1">
-                <a:effectLst/>
-                <a:latin typeface="Times New Roman" panose="02020603050405020304" pitchFamily="18" charset="0"/>
-                <a:ea typeface="Calibri" panose="020F0502020204030204" pitchFamily="34" charset="0"/>
-                <a:cs typeface="Times New Roman" panose="02020603050405020304" pitchFamily="18" charset="0"/>
-              </a:rPr>
-              <a:t>Limann</a:t>
-            </a:r>
-            <a:r>
-              <a:rPr lang="en-US" sz="2000" dirty="0">
-                <a:effectLst/>
-                <a:latin typeface="Times New Roman" panose="02020603050405020304" pitchFamily="18" charset="0"/>
-                <a:ea typeface="Calibri" panose="020F0502020204030204" pitchFamily="34" charset="0"/>
-                <a:cs typeface="Times New Roman" panose="02020603050405020304" pitchFamily="18" charset="0"/>
-              </a:rPr>
-              <a:t> Hall, Alexander </a:t>
+              <a:t> Liman Hall, Alexander </a:t>
             </a:r>
             <a:r>
               <a:rPr lang="en-US" sz="2000" dirty="0" err="1">
@@ -6598,7 +6580,7 @@
                 <a:latin typeface="Times New Roman" panose="02020603050405020304" pitchFamily="18" charset="0"/>
                 <a:cs typeface="Times New Roman" panose="02020603050405020304" pitchFamily="18" charset="0"/>
               </a:rPr>
-              <a:t>Clearly, management systems that are not carefully created on the basis of sound security principles may result in data loss, misplacement, inconsistencies, and redundancies. Following our research, we discovered that there is a system designed to handle all four UGEL halls, but it can only hold student information including their room in the halls. While this system is not adequate for the personnel at the various halls, it can be improved because many administrative activities are still preserved or written in handy books which makes referencing through these lots very difficult for persons working in these halls.</a:t>
+              <a:t>Clearly, management systems that are not carefully created on the basis of sound security principles may result in data loss, misplacement, inconsistencies, and redundancies. Following our research, we discovered that there is a system designed to handle all four UGEL halls, but it can only hold student information including their room number in the halls. While this system is not adequate for the personnel at the various halls, it can be improved because many administrative activities are still preserved or written in handy books which makes referencing through these lots very difficult for persons working in these halls.</a:t>
             </a:r>
             <a:endParaRPr lang="en-GH" sz="2000" dirty="0">
               <a:latin typeface="Times New Roman" panose="02020603050405020304" pitchFamily="18" charset="0"/>
@@ -6720,7 +6702,23 @@
                 <a:ea typeface="Calibri" panose="020F0502020204030204" pitchFamily="34" charset="0"/>
                 <a:cs typeface="Times New Roman" panose="02020603050405020304" pitchFamily="18" charset="0"/>
               </a:rPr>
-              <a:t>In most of its operations, people working in UGEL halls still use the ancient approach of recording with books and keeping them on shelves for reference. These ancient techniques are exhausting, especially when it comes to referencing these works. As a result, most progress by staffs in managing student data in these halls has been slowed. When some of these maintained records (documents) go lost, get damp, or are destroyed, this is a serious concern.</a:t>
+              <a:t>In most of its operations, people working in UGEL halls still use the ancient approach of recording with books and keeping them on shelves for reference. These ancient techniques are exhausting, especially when it comes to </a:t>
+            </a:r>
+            <a:r>
+              <a:rPr lang="en-US" sz="2000">
+                <a:latin typeface="Times New Roman" panose="02020603050405020304" pitchFamily="18" charset="0"/>
+                <a:ea typeface="Calibri" panose="020F0502020204030204" pitchFamily="34" charset="0"/>
+                <a:cs typeface="Times New Roman" panose="02020603050405020304" pitchFamily="18" charset="0"/>
+              </a:rPr>
+              <a:t>refering </a:t>
+            </a:r>
+            <a:r>
+              <a:rPr lang="en-US" sz="2000" dirty="0">
+                <a:latin typeface="Times New Roman" panose="02020603050405020304" pitchFamily="18" charset="0"/>
+                <a:ea typeface="Calibri" panose="020F0502020204030204" pitchFamily="34" charset="0"/>
+                <a:cs typeface="Times New Roman" panose="02020603050405020304" pitchFamily="18" charset="0"/>
+              </a:rPr>
+              <a:t>these works. As a result, most progress by staffs in managing student data in these halls has been slowed. When some of these maintained records (documents) go lost, get damp, or are destroyed, this is a serious concern.</a:t>
             </a:r>
             <a:endParaRPr lang="en-GH" sz="2000" dirty="0">
               <a:effectLst/>
